--- a/JSON and the Rest WebApi.pptx
+++ b/JSON and the Rest WebApi.pptx
@@ -302,7 +302,7 @@
           <a:p>
             <a:fld id="{18438622-0837-4E9E-A16C-0B0206CE676E}" type="datetimeFigureOut">
               <a:rPr lang="en-US" smtClean="0"/>
-              <a:t>24/03/31</a:t>
+              <a:t>24/04/03</a:t>
             </a:fld>
             <a:endParaRPr lang="en-US"/>
           </a:p>
@@ -676,7 +676,7 @@
                   <a:prstClr val="black"/>
                 </a:solidFill>
               </a:rPr>
-              <a:t>24/03/31 12:16</a:t>
+              <a:t>24/04/03 07:33</a:t>
             </a:fld>
             <a:endParaRPr lang="en-US">
               <a:solidFill>
@@ -1022,7 +1022,7 @@
                 <a:tabLst/>
                 <a:defRPr/>
               </a:pPr>
-              <a:t>24/03/31 12:16</a:t>
+              <a:t>24/04/03 07:33</a:t>
             </a:fld>
             <a:endParaRPr kumimoji="0" lang="en-US" sz="1800" b="0" i="0" u="none" strike="noStrike" kern="0" cap="none" spc="0" normalizeH="0" baseline="0" noProof="0" dirty="0">
               <a:ln>
@@ -1398,7 +1398,7 @@
                 <a:tabLst/>
                 <a:defRPr/>
               </a:pPr>
-              <a:t>24/03/31 12:16</a:t>
+              <a:t>24/04/03 07:33</a:t>
             </a:fld>
             <a:endParaRPr kumimoji="0" lang="en-US" sz="1800" b="0" i="0" u="none" strike="noStrike" kern="0" cap="none" spc="0" normalizeH="0" baseline="0" noProof="0" dirty="0">
               <a:ln>
@@ -1774,7 +1774,7 @@
                 <a:tabLst/>
                 <a:defRPr/>
               </a:pPr>
-              <a:t>24/03/31 12:16</a:t>
+              <a:t>24/04/03 07:33</a:t>
             </a:fld>
             <a:endParaRPr kumimoji="0" lang="en-US" sz="1800" b="0" i="0" u="none" strike="noStrike" kern="0" cap="none" spc="0" normalizeH="0" baseline="0" noProof="0" dirty="0">
               <a:ln>
@@ -2150,7 +2150,7 @@
                 <a:tabLst/>
                 <a:defRPr/>
               </a:pPr>
-              <a:t>24/03/31 12:16</a:t>
+              <a:t>24/04/03 07:33</a:t>
             </a:fld>
             <a:endParaRPr kumimoji="0" lang="en-US" sz="1800" b="0" i="0" u="none" strike="noStrike" kern="0" cap="none" spc="0" normalizeH="0" baseline="0" noProof="0" dirty="0">
               <a:ln>
@@ -2526,7 +2526,7 @@
                 <a:tabLst/>
                 <a:defRPr/>
               </a:pPr>
-              <a:t>24/03/31 12:16</a:t>
+              <a:t>24/04/03 07:33</a:t>
             </a:fld>
             <a:endParaRPr kumimoji="0" lang="en-US" sz="1800" b="0" i="0" u="none" strike="noStrike" kern="0" cap="none" spc="0" normalizeH="0" baseline="0" noProof="0" dirty="0">
               <a:ln>
@@ -3181,7 +3181,7 @@
                 <a:tabLst/>
                 <a:defRPr/>
               </a:pPr>
-              <a:t>24/03/31 12:16</a:t>
+              <a:t>24/04/03 07:33</a:t>
             </a:fld>
             <a:endParaRPr kumimoji="0" lang="en-US" sz="1800" b="0" i="0" u="none" strike="noStrike" kern="0" cap="none" spc="0" normalizeH="0" baseline="0" noProof="0" dirty="0">
               <a:ln>
@@ -3557,7 +3557,7 @@
                 <a:tabLst/>
                 <a:defRPr/>
               </a:pPr>
-              <a:t>24/03/31 12:16</a:t>
+              <a:t>24/04/03 07:33</a:t>
             </a:fld>
             <a:endParaRPr kumimoji="0" lang="en-US" sz="1800" b="0" i="0" u="none" strike="noStrike" kern="0" cap="none" spc="0" normalizeH="0" baseline="0" noProof="0" dirty="0">
               <a:ln>
@@ -4026,7 +4026,7 @@
                 <a:tabLst/>
                 <a:defRPr/>
               </a:pPr>
-              <a:t>24/03/31 12:16</a:t>
+              <a:t>24/04/03 07:33</a:t>
             </a:fld>
             <a:endParaRPr kumimoji="0" lang="en-US" sz="1800" b="0" i="0" u="none" strike="noStrike" kern="0" cap="none" spc="0" normalizeH="0" baseline="0" noProof="0" dirty="0">
               <a:ln>
@@ -4402,7 +4402,7 @@
                 <a:tabLst/>
                 <a:defRPr/>
               </a:pPr>
-              <a:t>24/03/31 12:16</a:t>
+              <a:t>24/04/03 07:33</a:t>
             </a:fld>
             <a:endParaRPr kumimoji="0" lang="en-US" sz="1800" b="0" i="0" u="none" strike="noStrike" kern="0" cap="none" spc="0" normalizeH="0" baseline="0" noProof="0" dirty="0">
               <a:ln>
@@ -4778,7 +4778,7 @@
                 <a:tabLst/>
                 <a:defRPr/>
               </a:pPr>
-              <a:t>24/03/31 12:16</a:t>
+              <a:t>24/04/03 07:33</a:t>
             </a:fld>
             <a:endParaRPr kumimoji="0" lang="en-US" sz="1800" b="0" i="0" u="none" strike="noStrike" kern="0" cap="none" spc="0" normalizeH="0" baseline="0" noProof="0" dirty="0">
               <a:ln>
@@ -5154,7 +5154,7 @@
                 <a:tabLst/>
                 <a:defRPr/>
               </a:pPr>
-              <a:t>24/03/31 12:16</a:t>
+              <a:t>24/04/03 07:33</a:t>
             </a:fld>
             <a:endParaRPr kumimoji="0" lang="en-US" sz="1800" b="0" i="0" u="none" strike="noStrike" kern="0" cap="none" spc="0" normalizeH="0" baseline="0" noProof="0" dirty="0">
               <a:ln>
@@ -5530,7 +5530,7 @@
                 <a:tabLst/>
                 <a:defRPr/>
               </a:pPr>
-              <a:t>24/03/31 12:16</a:t>
+              <a:t>24/04/03 07:33</a:t>
             </a:fld>
             <a:endParaRPr kumimoji="0" lang="en-US" sz="1800" b="0" i="0" u="none" strike="noStrike" kern="0" cap="none" spc="0" normalizeH="0" baseline="0" noProof="0" dirty="0">
               <a:ln>
@@ -5906,7 +5906,7 @@
                 <a:tabLst/>
                 <a:defRPr/>
               </a:pPr>
-              <a:t>24/03/31 12:16</a:t>
+              <a:t>24/04/03 07:33</a:t>
             </a:fld>
             <a:endParaRPr kumimoji="0" lang="en-US" sz="1800" b="0" i="0" u="none" strike="noStrike" kern="0" cap="none" spc="0" normalizeH="0" baseline="0" noProof="0" dirty="0">
               <a:ln>
@@ -6282,7 +6282,7 @@
                 <a:tabLst/>
                 <a:defRPr/>
               </a:pPr>
-              <a:t>24/03/31 12:16</a:t>
+              <a:t>24/04/03 07:33</a:t>
             </a:fld>
             <a:endParaRPr kumimoji="0" lang="en-US" sz="1800" b="0" i="0" u="none" strike="noStrike" kern="0" cap="none" spc="0" normalizeH="0" baseline="0" noProof="0" dirty="0">
               <a:ln>
@@ -6658,7 +6658,7 @@
                 <a:tabLst/>
                 <a:defRPr/>
               </a:pPr>
-              <a:t>24/03/31 12:16</a:t>
+              <a:t>24/04/03 07:33</a:t>
             </a:fld>
             <a:endParaRPr kumimoji="0" lang="en-US" sz="1800" b="0" i="0" u="none" strike="noStrike" kern="0" cap="none" spc="0" normalizeH="0" baseline="0" noProof="0" dirty="0">
               <a:ln>
@@ -7034,7 +7034,7 @@
                 <a:tabLst/>
                 <a:defRPr/>
               </a:pPr>
-              <a:t>24/03/31 12:16</a:t>
+              <a:t>24/04/03 07:33</a:t>
             </a:fld>
             <a:endParaRPr kumimoji="0" lang="en-US" sz="1800" b="0" i="0" u="none" strike="noStrike" kern="0" cap="none" spc="0" normalizeH="0" baseline="0" noProof="0" dirty="0">
               <a:ln>
@@ -7410,7 +7410,7 @@
                 <a:tabLst/>
                 <a:defRPr/>
               </a:pPr>
-              <a:t>24/03/31 12:16</a:t>
+              <a:t>24/04/03 07:33</a:t>
             </a:fld>
             <a:endParaRPr kumimoji="0" lang="en-US" sz="1800" b="0" i="0" u="none" strike="noStrike" kern="0" cap="none" spc="0" normalizeH="0" baseline="0" noProof="0" dirty="0">
               <a:ln>
@@ -9427,7 +9427,7 @@
             <a:fld id="{FE218764-B9AD-4A05-A31E-84CE4FE50E8B}" type="datetime8">
               <a:rPr lang="he-IL" smtClean="0"/>
               <a:pPr/>
-              <a:t>31 מרץ 24</a:t>
+              <a:t>03 אפריל 24</a:t>
             </a:fld>
             <a:endParaRPr lang="he-IL" dirty="0"/>
           </a:p>
@@ -45545,7 +45545,7 @@
         <p:spPr>
           <a:xfrm>
             <a:off x="816429" y="1091773"/>
-            <a:ext cx="10972800" cy="4013711"/>
+            <a:ext cx="10972800" cy="5029374"/>
           </a:xfrm>
           <a:prstGeom prst="rect">
             <a:avLst/>
@@ -45599,6 +45599,64 @@
                 <a:hlinkClick r:id="rId3"/>
               </a:rPr>
               <a:t>https://trivia.runasp.net/Swagger/index.html</a:t>
+            </a:r>
+            <a:r>
+              <a:rPr lang="he-IL" sz="2200" kern="0" dirty="0">
+                <a:solidFill>
+                  <a:srgbClr val="505050"/>
+                </a:solidFill>
+                <a:latin typeface="Segoe UI Semibold" panose="020B0702040204020203" pitchFamily="34" charset="0"/>
+              </a:rPr>
+              <a:t> (בטיפול)</a:t>
+            </a:r>
+          </a:p>
+          <a:p>
+            <a:pPr algn="r" defTabSz="914028" rtl="1">
+              <a:defRPr/>
+            </a:pPr>
+            <a:endParaRPr lang="he-IL" sz="2200" kern="0" dirty="0">
+              <a:solidFill>
+                <a:srgbClr val="505050"/>
+              </a:solidFill>
+              <a:latin typeface="Segoe UI Semibold" panose="020B0702040204020203" pitchFamily="34" charset="0"/>
+            </a:endParaRPr>
+          </a:p>
+          <a:p>
+            <a:pPr algn="r" defTabSz="914028" rtl="1">
+              <a:defRPr/>
+            </a:pPr>
+            <a:r>
+              <a:rPr lang="he-IL" sz="2200" kern="0" dirty="0" err="1">
+                <a:solidFill>
+                  <a:srgbClr val="505050"/>
+                </a:solidFill>
+                <a:latin typeface="Segoe UI Semibold" panose="020B0702040204020203" pitchFamily="34" charset="0"/>
+              </a:rPr>
+              <a:t>להכנס</a:t>
+            </a:r>
+            <a:r>
+              <a:rPr lang="he-IL" sz="2200" kern="0" dirty="0">
+                <a:solidFill>
+                  <a:srgbClr val="505050"/>
+                </a:solidFill>
+                <a:latin typeface="Segoe UI Semibold" panose="020B0702040204020203" pitchFamily="34" charset="0"/>
+              </a:rPr>
+              <a:t> במקום זאת ל –</a:t>
+            </a:r>
+          </a:p>
+          <a:p>
+            <a:pPr algn="r" defTabSz="914028" rtl="1">
+              <a:defRPr/>
+            </a:pPr>
+            <a:r>
+              <a:rPr lang="en-US" sz="2200" kern="0" dirty="0">
+                <a:solidFill>
+                  <a:srgbClr val="505050"/>
+                </a:solidFill>
+                <a:latin typeface="Segoe UI Semibold" panose="020B0702040204020203" pitchFamily="34" charset="0"/>
+                <a:hlinkClick r:id="rId4"/>
+              </a:rPr>
+              <a:t>https://qsc714b9-7128.euw.devtunnels.ms/swagger/index.html</a:t>
             </a:r>
             <a:endParaRPr lang="he-IL" sz="2200" kern="0" dirty="0">
               <a:solidFill>
@@ -52878,6 +52936,15 @@
 </file>
 
 <file path=customXml/item1.xml><?xml version="1.0" encoding="utf-8"?>
+<?mso-contentType ?>
+<FormTemplates xmlns="http://schemas.microsoft.com/sharepoint/v3/contenttype/forms">
+  <Display>DocumentLibraryForm</Display>
+  <Edit>DocumentLibraryForm</Edit>
+  <New>DocumentLibraryForm</New>
+</FormTemplates>
+</file>
+
+<file path=customXml/item2.xml><?xml version="1.0" encoding="utf-8"?>
 <p:properties xmlns:p="http://schemas.microsoft.com/office/2006/metadata/properties" xmlns:xsi="http://www.w3.org/2001/XMLSchema-instance" xmlns:pc="http://schemas.microsoft.com/office/infopath/2007/PartnerControls">
   <documentManagement>
     <_ip_UnifiedCompliancePolicyProperties xmlns="http://schemas.microsoft.com/sharepoint/v3" xsi:nil="true"/>
@@ -52895,7 +52962,7 @@
 </p:properties>
 </file>
 
-<file path=customXml/item2.xml><?xml version="1.0" encoding="utf-8"?>
+<file path=customXml/item3.xml><?xml version="1.0" encoding="utf-8"?>
 <ct:contentTypeSchema xmlns:ct="http://schemas.microsoft.com/office/2006/metadata/contentType" xmlns:ma="http://schemas.microsoft.com/office/2006/metadata/properties/metaAttributes" ct:_="" ma:_="" ma:contentTypeName="Document" ma:contentTypeID="0x01010022F88B0CCF1BBA489747F146E6B5E06D" ma:contentTypeVersion="15" ma:contentTypeDescription="Create a new document." ma:contentTypeScope="" ma:versionID="3a81cc4177a2cfbc51d69d3922f78c36">
   <xsd:schema xmlns:xsd="http://www.w3.org/2001/XMLSchema" xmlns:xs="http://www.w3.org/2001/XMLSchema" xmlns:p="http://schemas.microsoft.com/office/2006/metadata/properties" xmlns:ns1="http://schemas.microsoft.com/sharepoint/v3" xmlns:ns2="569b343d-e775-480b-9b2b-6a6986deb9b0" xmlns:ns3="11245976-3b4d-4794-a754-317688483df2" targetNamespace="http://schemas.microsoft.com/office/2006/metadata/properties" ma:root="true" ma:fieldsID="b609d5801db63fe484c47c44deb589b2" ns1:_="" ns2:_="" ns3:_="">
     <xsd:import namespace="http://schemas.microsoft.com/sharepoint/v3"/>
@@ -53135,16 +53202,15 @@
 </ct:contentTypeSchema>
 </file>
 
-<file path=customXml/item3.xml><?xml version="1.0" encoding="utf-8"?>
-<?mso-contentType ?>
-<FormTemplates xmlns="http://schemas.microsoft.com/sharepoint/v3/contenttype/forms">
-  <Display>DocumentLibraryForm</Display>
-  <Edit>DocumentLibraryForm</Edit>
-  <New>DocumentLibraryForm</New>
-</FormTemplates>
+<file path=customXml/itemProps1.xml><?xml version="1.0" encoding="utf-8"?>
+<ds:datastoreItem xmlns:ds="http://schemas.openxmlformats.org/officeDocument/2006/customXml" ds:itemID="{093821A7-5528-48BE-BD00-067FBFDD28D5}">
+  <ds:schemaRefs>
+    <ds:schemaRef ds:uri="http://schemas.microsoft.com/sharepoint/v3/contenttype/forms"/>
+  </ds:schemaRefs>
+</ds:datastoreItem>
 </file>
 
-<file path=customXml/itemProps1.xml><?xml version="1.0" encoding="utf-8"?>
+<file path=customXml/itemProps2.xml><?xml version="1.0" encoding="utf-8"?>
 <ds:datastoreItem xmlns:ds="http://schemas.openxmlformats.org/officeDocument/2006/customXml" ds:itemID="{D23E43D6-DB2F-4C33-A8C8-D28F777A5DE7}">
   <ds:schemaRefs>
     <ds:schemaRef ds:uri="http://schemas.microsoft.com/office/2006/metadata/properties"/>
@@ -53155,7 +53221,7 @@
 </ds:datastoreItem>
 </file>
 
-<file path=customXml/itemProps2.xml><?xml version="1.0" encoding="utf-8"?>
+<file path=customXml/itemProps3.xml><?xml version="1.0" encoding="utf-8"?>
 <ds:datastoreItem xmlns:ds="http://schemas.openxmlformats.org/officeDocument/2006/customXml" ds:itemID="{3EC7A57B-883B-4750-9166-6F76DB12FD37}">
   <ds:schemaRefs>
     <ds:schemaRef ds:uri="http://schemas.microsoft.com/office/2006/metadata/contentType"/>
@@ -53173,12 +53239,4 @@
     <ds:schemaRef ds:uri="http://schemas.microsoft.com/internal/obd"/>
   </ds:schemaRefs>
 </ds:datastoreItem>
-</file>
-
-<file path=customXml/itemProps3.xml><?xml version="1.0" encoding="utf-8"?>
-<ds:datastoreItem xmlns:ds="http://schemas.openxmlformats.org/officeDocument/2006/customXml" ds:itemID="{093821A7-5528-48BE-BD00-067FBFDD28D5}">
-  <ds:schemaRefs>
-    <ds:schemaRef ds:uri="http://schemas.microsoft.com/sharepoint/v3/contenttype/forms"/>
-  </ds:schemaRefs>
-</ds:datastoreItem>
 </file>